--- a/Design Stuff/Design Document.pptx
+++ b/Design Stuff/Design Document.pptx
@@ -7,6 +7,8 @@
   <p:sldIdLst>
     <p:sldId id="256" r:id="rId2"/>
     <p:sldId id="257" r:id="rId3"/>
+    <p:sldId id="258" r:id="rId4"/>
+    <p:sldId id="259" r:id="rId5"/>
   </p:sldIdLst>
   <p:sldSz cx="12192000" cy="6858000"/>
   <p:notesSz cx="6858000" cy="9144000"/>
@@ -15924,10 +15926,18 @@
               <a:buNone/>
             </a:pPr>
             <a:r>
-              <a:rPr lang="en-GB"/>
-              <a:t>I reckon we could use Brad &amp; Jamie Games.  Would obviously need to be shortened for logos and such, so it would become BJGames.</a:t>
+              <a:rPr lang="en-GB" dirty="0"/>
+              <a:t>I reckon we could use Brad &amp; Jamie Games.  Would obviously need to be shortened for logos and such, so it would become </a:t>
             </a:r>
-            <a:endParaRPr lang="en-US"/>
+            <a:r>
+              <a:rPr lang="en-GB" dirty="0" err="1"/>
+              <a:t>BJGames</a:t>
+            </a:r>
+            <a:r>
+              <a:rPr lang="en-GB" dirty="0"/>
+              <a:t>.  I think it has a nice ring to it.</a:t>
+            </a:r>
+            <a:endParaRPr lang="en-US" dirty="0"/>
           </a:p>
         </p:txBody>
       </p:sp>
@@ -15935,6 +15945,192 @@
     <p:extLst>
       <p:ext uri="{BB962C8B-B14F-4D97-AF65-F5344CB8AC3E}">
         <p14:creationId xmlns:p14="http://schemas.microsoft.com/office/powerpoint/2010/main" val="1685364572"/>
+      </p:ext>
+    </p:extLst>
+  </p:cSld>
+  <p:clrMapOvr>
+    <a:masterClrMapping/>
+  </p:clrMapOvr>
+</p:sld>
+</file>
+
+<file path=ppt/slides/slide3.xml><?xml version="1.0" encoding="utf-8"?>
+<p:sld xmlns:a="http://schemas.openxmlformats.org/drawingml/2006/main" xmlns:r="http://schemas.openxmlformats.org/officeDocument/2006/relationships" xmlns:p="http://schemas.openxmlformats.org/presentationml/2006/main">
+  <p:cSld>
+    <p:spTree>
+      <p:nvGrpSpPr>
+        <p:cNvPr id="1" name=""/>
+        <p:cNvGrpSpPr/>
+        <p:nvPr/>
+      </p:nvGrpSpPr>
+      <p:grpSpPr>
+        <a:xfrm>
+          <a:off x="0" y="0"/>
+          <a:ext cx="0" cy="0"/>
+          <a:chOff x="0" y="0"/>
+          <a:chExt cx="0" cy="0"/>
+        </a:xfrm>
+      </p:grpSpPr>
+      <p:sp>
+        <p:nvSpPr>
+          <p:cNvPr id="2" name="Title 1">
+            <a:extLst>
+              <a:ext uri="{FF2B5EF4-FFF2-40B4-BE49-F238E27FC236}">
+                <a16:creationId xmlns:a16="http://schemas.microsoft.com/office/drawing/2014/main" id="{6D5AE24B-39D1-42E1-8CB9-B25240976AE2}"/>
+              </a:ext>
+            </a:extLst>
+          </p:cNvPr>
+          <p:cNvSpPr>
+            <a:spLocks noGrp="1"/>
+          </p:cNvSpPr>
+          <p:nvPr>
+            <p:ph type="title"/>
+          </p:nvPr>
+        </p:nvSpPr>
+        <p:spPr/>
+        <p:txBody>
+          <a:bodyPr/>
+          <a:lstStyle/>
+          <a:p>
+            <a:r>
+              <a:rPr lang="en-GB" dirty="0"/>
+              <a:t>Design Outline</a:t>
+            </a:r>
+          </a:p>
+        </p:txBody>
+      </p:sp>
+      <p:sp>
+        <p:nvSpPr>
+          <p:cNvPr id="3" name="Content Placeholder 2">
+            <a:extLst>
+              <a:ext uri="{FF2B5EF4-FFF2-40B4-BE49-F238E27FC236}">
+                <a16:creationId xmlns:a16="http://schemas.microsoft.com/office/drawing/2014/main" id="{1BE22582-D8B5-4E4B-97CA-C3C7813A3F72}"/>
+              </a:ext>
+            </a:extLst>
+          </p:cNvPr>
+          <p:cNvSpPr>
+            <a:spLocks noGrp="1"/>
+          </p:cNvSpPr>
+          <p:nvPr>
+            <p:ph idx="1"/>
+          </p:nvPr>
+        </p:nvSpPr>
+        <p:spPr/>
+        <p:txBody>
+          <a:bodyPr/>
+          <a:lstStyle/>
+          <a:p>
+            <a:r>
+              <a:rPr lang="en-GB" dirty="0"/>
+              <a:t>Like the original, but polished </a:t>
+            </a:r>
+            <a:r>
+              <a:rPr lang="en-GB"/>
+              <a:t>to perfection</a:t>
+            </a:r>
+            <a:endParaRPr lang="en-GB" dirty="0"/>
+          </a:p>
+          <a:p>
+            <a:r>
+              <a:rPr lang="en-GB" dirty="0"/>
+              <a:t>Random faces?</a:t>
+            </a:r>
+          </a:p>
+          <a:p>
+            <a:r>
+              <a:rPr lang="en-GB" dirty="0"/>
+              <a:t>Random hair styles/colours?</a:t>
+            </a:r>
+          </a:p>
+        </p:txBody>
+      </p:sp>
+    </p:spTree>
+    <p:extLst>
+      <p:ext uri="{BB962C8B-B14F-4D97-AF65-F5344CB8AC3E}">
+        <p14:creationId xmlns:p14="http://schemas.microsoft.com/office/powerpoint/2010/main" val="3278516668"/>
+      </p:ext>
+    </p:extLst>
+  </p:cSld>
+  <p:clrMapOvr>
+    <a:masterClrMapping/>
+  </p:clrMapOvr>
+</p:sld>
+</file>
+
+<file path=ppt/slides/slide4.xml><?xml version="1.0" encoding="utf-8"?>
+<p:sld xmlns:a="http://schemas.openxmlformats.org/drawingml/2006/main" xmlns:r="http://schemas.openxmlformats.org/officeDocument/2006/relationships" xmlns:p="http://schemas.openxmlformats.org/presentationml/2006/main">
+  <p:cSld>
+    <p:spTree>
+      <p:nvGrpSpPr>
+        <p:cNvPr id="1" name=""/>
+        <p:cNvGrpSpPr/>
+        <p:nvPr/>
+      </p:nvGrpSpPr>
+      <p:grpSpPr>
+        <a:xfrm>
+          <a:off x="0" y="0"/>
+          <a:ext cx="0" cy="0"/>
+          <a:chOff x="0" y="0"/>
+          <a:chExt cx="0" cy="0"/>
+        </a:xfrm>
+      </p:grpSpPr>
+      <p:sp>
+        <p:nvSpPr>
+          <p:cNvPr id="2" name="Title 1">
+            <a:extLst>
+              <a:ext uri="{FF2B5EF4-FFF2-40B4-BE49-F238E27FC236}">
+                <a16:creationId xmlns:a16="http://schemas.microsoft.com/office/drawing/2014/main" id="{FA90C1EE-DB00-4AE8-A9A6-E6F6BC5C389E}"/>
+              </a:ext>
+            </a:extLst>
+          </p:cNvPr>
+          <p:cNvSpPr>
+            <a:spLocks noGrp="1"/>
+          </p:cNvSpPr>
+          <p:nvPr>
+            <p:ph type="title"/>
+          </p:nvPr>
+        </p:nvSpPr>
+        <p:spPr/>
+        <p:txBody>
+          <a:bodyPr/>
+          <a:lstStyle/>
+          <a:p>
+            <a:r>
+              <a:rPr lang="en-GB" dirty="0"/>
+              <a:t>UI Design</a:t>
+            </a:r>
+          </a:p>
+        </p:txBody>
+      </p:sp>
+      <p:sp>
+        <p:nvSpPr>
+          <p:cNvPr id="3" name="Content Placeholder 2">
+            <a:extLst>
+              <a:ext uri="{FF2B5EF4-FFF2-40B4-BE49-F238E27FC236}">
+                <a16:creationId xmlns:a16="http://schemas.microsoft.com/office/drawing/2014/main" id="{3068E3A4-B2D1-4B70-B73F-A589FBE31841}"/>
+              </a:ext>
+            </a:extLst>
+          </p:cNvPr>
+          <p:cNvSpPr>
+            <a:spLocks noGrp="1"/>
+          </p:cNvSpPr>
+          <p:nvPr>
+            <p:ph idx="1"/>
+          </p:nvPr>
+        </p:nvSpPr>
+        <p:spPr/>
+        <p:txBody>
+          <a:bodyPr/>
+          <a:lstStyle/>
+          <a:p>
+            <a:endParaRPr lang="en-GB"/>
+          </a:p>
+        </p:txBody>
+      </p:sp>
+    </p:spTree>
+    <p:extLst>
+      <p:ext uri="{BB962C8B-B14F-4D97-AF65-F5344CB8AC3E}">
+        <p14:creationId xmlns:p14="http://schemas.microsoft.com/office/powerpoint/2010/main" val="2481878065"/>
       </p:ext>
     </p:extLst>
   </p:cSld>
